--- a/HighCondRepresentativeModelTests/HighCondModels_PSCCurrentsWithTheta/Plots/SDprox2RepresentativeCurrentsZoomed_ED1.pptx
+++ b/HighCondRepresentativeModelTests/HighCondModels_PSCCurrentsWithTheta/Plots/SDprox2RepresentativeCurrentsZoomed_ED1.pptx
@@ -106,7 +106,7 @@
   </p:defaultTextStyle>
   <p:extLst>
     <p:ext uri="{EFAFB233-063F-42B5-8137-9DF3F51BA10A}">
-      <p15:sldGuideLst xmlns:p15="http://schemas.microsoft.com/office/powerpoint/2012/main">
+      <p15:sldGuideLst xmlns="" xmlns:p15="http://schemas.microsoft.com/office/powerpoint/2012/main">
         <p15:guide id="1" orient="horz" pos="6236" userDrawn="1">
           <p15:clr>
             <a:srgbClr val="A4A3A4"/>
@@ -254,7 +254,7 @@
           <a:p>
             <a:fld id="{13B4EEC1-59A0-6147-A616-EE74AE21FFF0}" type="datetimeFigureOut">
               <a:rPr lang="en-US" smtClean="0"/>
-              <a:t>11/1/17</a:t>
+              <a:t>2/1/2018</a:t>
             </a:fld>
             <a:endParaRPr lang="en-US"/>
           </a:p>
@@ -419,7 +419,7 @@
           <a:p>
             <a:fld id="{13B4EEC1-59A0-6147-A616-EE74AE21FFF0}" type="datetimeFigureOut">
               <a:rPr lang="en-US" smtClean="0"/>
-              <a:t>11/1/17</a:t>
+              <a:t>2/1/2018</a:t>
             </a:fld>
             <a:endParaRPr lang="en-US"/>
           </a:p>
@@ -594,7 +594,7 @@
           <a:p>
             <a:fld id="{13B4EEC1-59A0-6147-A616-EE74AE21FFF0}" type="datetimeFigureOut">
               <a:rPr lang="en-US" smtClean="0"/>
-              <a:t>11/1/17</a:t>
+              <a:t>2/1/2018</a:t>
             </a:fld>
             <a:endParaRPr lang="en-US"/>
           </a:p>
@@ -759,7 +759,7 @@
           <a:p>
             <a:fld id="{13B4EEC1-59A0-6147-A616-EE74AE21FFF0}" type="datetimeFigureOut">
               <a:rPr lang="en-US" smtClean="0"/>
-              <a:t>11/1/17</a:t>
+              <a:t>2/1/2018</a:t>
             </a:fld>
             <a:endParaRPr lang="en-US"/>
           </a:p>
@@ -998,7 +998,7 @@
           <a:p>
             <a:fld id="{13B4EEC1-59A0-6147-A616-EE74AE21FFF0}" type="datetimeFigureOut">
               <a:rPr lang="en-US" smtClean="0"/>
-              <a:t>11/1/17</a:t>
+              <a:t>2/1/2018</a:t>
             </a:fld>
             <a:endParaRPr lang="en-US"/>
           </a:p>
@@ -1225,7 +1225,7 @@
           <a:p>
             <a:fld id="{13B4EEC1-59A0-6147-A616-EE74AE21FFF0}" type="datetimeFigureOut">
               <a:rPr lang="en-US" smtClean="0"/>
-              <a:t>11/1/17</a:t>
+              <a:t>2/1/2018</a:t>
             </a:fld>
             <a:endParaRPr lang="en-US"/>
           </a:p>
@@ -1587,7 +1587,7 @@
           <a:p>
             <a:fld id="{13B4EEC1-59A0-6147-A616-EE74AE21FFF0}" type="datetimeFigureOut">
               <a:rPr lang="en-US" smtClean="0"/>
-              <a:t>11/1/17</a:t>
+              <a:t>2/1/2018</a:t>
             </a:fld>
             <a:endParaRPr lang="en-US"/>
           </a:p>
@@ -1700,7 +1700,7 @@
           <a:p>
             <a:fld id="{13B4EEC1-59A0-6147-A616-EE74AE21FFF0}" type="datetimeFigureOut">
               <a:rPr lang="en-US" smtClean="0"/>
-              <a:t>11/1/17</a:t>
+              <a:t>2/1/2018</a:t>
             </a:fld>
             <a:endParaRPr lang="en-US"/>
           </a:p>
@@ -1790,7 +1790,7 @@
           <a:p>
             <a:fld id="{13B4EEC1-59A0-6147-A616-EE74AE21FFF0}" type="datetimeFigureOut">
               <a:rPr lang="en-US" smtClean="0"/>
-              <a:t>11/1/17</a:t>
+              <a:t>2/1/2018</a:t>
             </a:fld>
             <a:endParaRPr lang="en-US"/>
           </a:p>
@@ -2062,7 +2062,7 @@
           <a:p>
             <a:fld id="{13B4EEC1-59A0-6147-A616-EE74AE21FFF0}" type="datetimeFigureOut">
               <a:rPr lang="en-US" smtClean="0"/>
-              <a:t>11/1/17</a:t>
+              <a:t>2/1/2018</a:t>
             </a:fld>
             <a:endParaRPr lang="en-US"/>
           </a:p>
@@ -2314,7 +2314,7 @@
           <a:p>
             <a:fld id="{13B4EEC1-59A0-6147-A616-EE74AE21FFF0}" type="datetimeFigureOut">
               <a:rPr lang="en-US" smtClean="0"/>
-              <a:t>11/1/17</a:t>
+              <a:t>2/1/2018</a:t>
             </a:fld>
             <a:endParaRPr lang="en-US"/>
           </a:p>
@@ -2522,7 +2522,7 @@
           <a:p>
             <a:fld id="{13B4EEC1-59A0-6147-A616-EE74AE21FFF0}" type="datetimeFigureOut">
               <a:rPr lang="en-US" smtClean="0"/>
-              <a:t>11/1/17</a:t>
+              <a:t>2/1/2018</a:t>
             </a:fld>
             <a:endParaRPr lang="en-US"/>
           </a:p>
@@ -3115,78 +3115,6 @@
       </p:sp>
       <p:sp>
         <p:nvSpPr>
-          <p:cNvPr id="26" name="Rectangle 25"/>
-          <p:cNvSpPr/>
-          <p:nvPr/>
-        </p:nvSpPr>
-        <p:spPr>
-          <a:xfrm>
-            <a:off x="12278625" y="19192884"/>
-            <a:ext cx="4603718" cy="563088"/>
-          </a:xfrm>
-          <a:prstGeom prst="rect">
-            <a:avLst/>
-          </a:prstGeom>
-          <a:noFill/>
-          <a:ln>
-            <a:noFill/>
-          </a:ln>
-        </p:spPr>
-        <p:style>
-          <a:lnRef idx="2">
-            <a:schemeClr val="accent1">
-              <a:shade val="50000"/>
-            </a:schemeClr>
-          </a:lnRef>
-          <a:fillRef idx="1">
-            <a:schemeClr val="accent1"/>
-          </a:fillRef>
-          <a:effectRef idx="0">
-            <a:schemeClr val="accent1"/>
-          </a:effectRef>
-          <a:fontRef idx="minor">
-            <a:schemeClr val="lt1"/>
-          </a:fontRef>
-        </p:style>
-        <p:txBody>
-          <a:bodyPr rtlCol="0" anchor="ctr"/>
-          <a:lstStyle/>
-          <a:p>
-            <a:pPr algn="ctr"/>
-            <a:r>
-              <a:rPr lang="en-US" sz="4000" b="1" dirty="0" smtClean="0">
-                <a:solidFill>
-                  <a:sysClr val="windowText" lastClr="000000"/>
-                </a:solidFill>
-              </a:rPr>
-              <a:t>Time (</a:t>
-            </a:r>
-            <a:r>
-              <a:rPr lang="en-US" sz="4000" b="1" dirty="0" err="1" smtClean="0">
-                <a:solidFill>
-                  <a:sysClr val="windowText" lastClr="000000"/>
-                </a:solidFill>
-              </a:rPr>
-              <a:t>ms</a:t>
-            </a:r>
-            <a:r>
-              <a:rPr lang="en-US" sz="4000" b="1" dirty="0" smtClean="0">
-                <a:solidFill>
-                  <a:sysClr val="windowText" lastClr="000000"/>
-                </a:solidFill>
-              </a:rPr>
-              <a:t>)</a:t>
-            </a:r>
-            <a:endParaRPr lang="en-US" sz="4000" b="1" dirty="0">
-              <a:solidFill>
-                <a:sysClr val="windowText" lastClr="000000"/>
-              </a:solidFill>
-            </a:endParaRPr>
-          </a:p>
-        </p:txBody>
-      </p:sp>
-      <p:sp>
-        <p:nvSpPr>
           <p:cNvPr id="22" name="Rectangle 21"/>
           <p:cNvSpPr/>
           <p:nvPr/>
@@ -3248,78 +3176,6 @@
             <a:endParaRPr lang="en-US" sz="4400" dirty="0">
               <a:solidFill>
                 <a:schemeClr val="tx1"/>
-              </a:solidFill>
-            </a:endParaRPr>
-          </a:p>
-        </p:txBody>
-      </p:sp>
-      <p:sp>
-        <p:nvSpPr>
-          <p:cNvPr id="33" name="Rectangle 32"/>
-          <p:cNvSpPr/>
-          <p:nvPr/>
-        </p:nvSpPr>
-        <p:spPr>
-          <a:xfrm rot="16200000">
-            <a:off x="-2922141" y="9549142"/>
-            <a:ext cx="6899343" cy="501505"/>
-          </a:xfrm>
-          <a:prstGeom prst="rect">
-            <a:avLst/>
-          </a:prstGeom>
-          <a:noFill/>
-          <a:ln>
-            <a:noFill/>
-          </a:ln>
-        </p:spPr>
-        <p:style>
-          <a:lnRef idx="2">
-            <a:schemeClr val="accent1">
-              <a:shade val="50000"/>
-            </a:schemeClr>
-          </a:lnRef>
-          <a:fillRef idx="1">
-            <a:schemeClr val="accent1"/>
-          </a:fillRef>
-          <a:effectRef idx="0">
-            <a:schemeClr val="accent1"/>
-          </a:effectRef>
-          <a:fontRef idx="minor">
-            <a:schemeClr val="lt1"/>
-          </a:fontRef>
-        </p:style>
-        <p:txBody>
-          <a:bodyPr rtlCol="0" anchor="ctr"/>
-          <a:lstStyle/>
-          <a:p>
-            <a:pPr algn="ctr"/>
-            <a:r>
-              <a:rPr lang="en-US" sz="4000" b="1" dirty="0" smtClean="0">
-                <a:solidFill>
-                  <a:sysClr val="windowText" lastClr="000000"/>
-                </a:solidFill>
-              </a:rPr>
-              <a:t>Current (</a:t>
-            </a:r>
-            <a:r>
-              <a:rPr lang="en-US" sz="4000" b="1" dirty="0" err="1" smtClean="0">
-                <a:solidFill>
-                  <a:sysClr val="windowText" lastClr="000000"/>
-                </a:solidFill>
-              </a:rPr>
-              <a:t>pA</a:t>
-            </a:r>
-            <a:r>
-              <a:rPr lang="en-US" sz="4000" b="1" dirty="0" smtClean="0">
-                <a:solidFill>
-                  <a:sysClr val="windowText" lastClr="000000"/>
-                </a:solidFill>
-              </a:rPr>
-              <a:t>)</a:t>
-            </a:r>
-            <a:endParaRPr lang="en-US" sz="4000" b="1" dirty="0">
-              <a:solidFill>
-                <a:sysClr val="windowText" lastClr="000000"/>
               </a:solidFill>
             </a:endParaRPr>
           </a:p>
@@ -3685,6 +3541,1182 @@
           </a:prstGeom>
         </p:spPr>
       </p:pic>
+      <p:sp>
+        <p:nvSpPr>
+          <p:cNvPr id="31" name="Rectangle 30"/>
+          <p:cNvSpPr/>
+          <p:nvPr/>
+        </p:nvSpPr>
+        <p:spPr>
+          <a:xfrm>
+            <a:off x="778283" y="9889923"/>
+            <a:ext cx="1062937" cy="9556810"/>
+          </a:xfrm>
+          <a:prstGeom prst="rect">
+            <a:avLst/>
+          </a:prstGeom>
+          <a:solidFill>
+            <a:schemeClr val="bg1"/>
+          </a:solidFill>
+          <a:ln>
+            <a:solidFill>
+              <a:schemeClr val="bg1"/>
+            </a:solidFill>
+          </a:ln>
+        </p:spPr>
+        <p:style>
+          <a:lnRef idx="2">
+            <a:schemeClr val="accent1">
+              <a:shade val="50000"/>
+            </a:schemeClr>
+          </a:lnRef>
+          <a:fillRef idx="1">
+            <a:schemeClr val="accent1"/>
+          </a:fillRef>
+          <a:effectRef idx="0">
+            <a:schemeClr val="accent1"/>
+          </a:effectRef>
+          <a:fontRef idx="minor">
+            <a:schemeClr val="lt1"/>
+          </a:fontRef>
+        </p:style>
+        <p:txBody>
+          <a:bodyPr rot="0" spcFirstLastPara="0" vert="horz" wrap="square" lIns="91440" tIns="45720" rIns="91440" bIns="45720" numCol="1" spcCol="0" rtlCol="0" fromWordArt="0" anchor="ctr" anchorCtr="0" forceAA="0" compatLnSpc="1">
+            <a:prstTxWarp prst="textNoShape">
+              <a:avLst/>
+            </a:prstTxWarp>
+            <a:noAutofit/>
+          </a:bodyPr>
+          <a:lstStyle>
+            <a:defPPr>
+              <a:defRPr lang="en-US"/>
+            </a:defPPr>
+            <a:lvl1pPr marL="0" algn="l" defTabSz="3110332" rtl="0" eaLnBrk="1" latinLnBrk="0" hangingPunct="1">
+              <a:defRPr sz="6123" kern="1200">
+                <a:solidFill>
+                  <a:schemeClr val="lt1"/>
+                </a:solidFill>
+                <a:latin typeface="+mn-lt"/>
+                <a:ea typeface="+mn-ea"/>
+                <a:cs typeface="+mn-cs"/>
+              </a:defRPr>
+            </a:lvl1pPr>
+            <a:lvl2pPr marL="1555166" algn="l" defTabSz="3110332" rtl="0" eaLnBrk="1" latinLnBrk="0" hangingPunct="1">
+              <a:defRPr sz="6123" kern="1200">
+                <a:solidFill>
+                  <a:schemeClr val="lt1"/>
+                </a:solidFill>
+                <a:latin typeface="+mn-lt"/>
+                <a:ea typeface="+mn-ea"/>
+                <a:cs typeface="+mn-cs"/>
+              </a:defRPr>
+            </a:lvl2pPr>
+            <a:lvl3pPr marL="3110332" algn="l" defTabSz="3110332" rtl="0" eaLnBrk="1" latinLnBrk="0" hangingPunct="1">
+              <a:defRPr sz="6123" kern="1200">
+                <a:solidFill>
+                  <a:schemeClr val="lt1"/>
+                </a:solidFill>
+                <a:latin typeface="+mn-lt"/>
+                <a:ea typeface="+mn-ea"/>
+                <a:cs typeface="+mn-cs"/>
+              </a:defRPr>
+            </a:lvl3pPr>
+            <a:lvl4pPr marL="4665497" algn="l" defTabSz="3110332" rtl="0" eaLnBrk="1" latinLnBrk="0" hangingPunct="1">
+              <a:defRPr sz="6123" kern="1200">
+                <a:solidFill>
+                  <a:schemeClr val="lt1"/>
+                </a:solidFill>
+                <a:latin typeface="+mn-lt"/>
+                <a:ea typeface="+mn-ea"/>
+                <a:cs typeface="+mn-cs"/>
+              </a:defRPr>
+            </a:lvl4pPr>
+            <a:lvl5pPr marL="6220663" algn="l" defTabSz="3110332" rtl="0" eaLnBrk="1" latinLnBrk="0" hangingPunct="1">
+              <a:defRPr sz="6123" kern="1200">
+                <a:solidFill>
+                  <a:schemeClr val="lt1"/>
+                </a:solidFill>
+                <a:latin typeface="+mn-lt"/>
+                <a:ea typeface="+mn-ea"/>
+                <a:cs typeface="+mn-cs"/>
+              </a:defRPr>
+            </a:lvl5pPr>
+            <a:lvl6pPr marL="7775829" algn="l" defTabSz="3110332" rtl="0" eaLnBrk="1" latinLnBrk="0" hangingPunct="1">
+              <a:defRPr sz="6123" kern="1200">
+                <a:solidFill>
+                  <a:schemeClr val="lt1"/>
+                </a:solidFill>
+                <a:latin typeface="+mn-lt"/>
+                <a:ea typeface="+mn-ea"/>
+                <a:cs typeface="+mn-cs"/>
+              </a:defRPr>
+            </a:lvl6pPr>
+            <a:lvl7pPr marL="9330995" algn="l" defTabSz="3110332" rtl="0" eaLnBrk="1" latinLnBrk="0" hangingPunct="1">
+              <a:defRPr sz="6123" kern="1200">
+                <a:solidFill>
+                  <a:schemeClr val="lt1"/>
+                </a:solidFill>
+                <a:latin typeface="+mn-lt"/>
+                <a:ea typeface="+mn-ea"/>
+                <a:cs typeface="+mn-cs"/>
+              </a:defRPr>
+            </a:lvl7pPr>
+            <a:lvl8pPr marL="10886161" algn="l" defTabSz="3110332" rtl="0" eaLnBrk="1" latinLnBrk="0" hangingPunct="1">
+              <a:defRPr sz="6123" kern="1200">
+                <a:solidFill>
+                  <a:schemeClr val="lt1"/>
+                </a:solidFill>
+                <a:latin typeface="+mn-lt"/>
+                <a:ea typeface="+mn-ea"/>
+                <a:cs typeface="+mn-cs"/>
+              </a:defRPr>
+            </a:lvl8pPr>
+            <a:lvl9pPr marL="12441326" algn="l" defTabSz="3110332" rtl="0" eaLnBrk="1" latinLnBrk="0" hangingPunct="1">
+              <a:defRPr sz="6123" kern="1200">
+                <a:solidFill>
+                  <a:schemeClr val="lt1"/>
+                </a:solidFill>
+                <a:latin typeface="+mn-lt"/>
+                <a:ea typeface="+mn-ea"/>
+                <a:cs typeface="+mn-cs"/>
+              </a:defRPr>
+            </a:lvl9pPr>
+          </a:lstStyle>
+          <a:p>
+            <a:pPr algn="ctr"/>
+            <a:endParaRPr lang="en-US"/>
+          </a:p>
+        </p:txBody>
+      </p:sp>
+      <p:sp>
+        <p:nvSpPr>
+          <p:cNvPr id="32" name="Rectangle 31"/>
+          <p:cNvSpPr/>
+          <p:nvPr/>
+        </p:nvSpPr>
+        <p:spPr>
+          <a:xfrm>
+            <a:off x="7637101" y="5051849"/>
+            <a:ext cx="1096015" cy="14397997"/>
+          </a:xfrm>
+          <a:prstGeom prst="rect">
+            <a:avLst/>
+          </a:prstGeom>
+          <a:solidFill>
+            <a:schemeClr val="bg1"/>
+          </a:solidFill>
+          <a:ln>
+            <a:solidFill>
+              <a:schemeClr val="bg1"/>
+            </a:solidFill>
+          </a:ln>
+        </p:spPr>
+        <p:style>
+          <a:lnRef idx="2">
+            <a:schemeClr val="accent1">
+              <a:shade val="50000"/>
+            </a:schemeClr>
+          </a:lnRef>
+          <a:fillRef idx="1">
+            <a:schemeClr val="accent1"/>
+          </a:fillRef>
+          <a:effectRef idx="0">
+            <a:schemeClr val="accent1"/>
+          </a:effectRef>
+          <a:fontRef idx="minor">
+            <a:schemeClr val="lt1"/>
+          </a:fontRef>
+        </p:style>
+        <p:txBody>
+          <a:bodyPr rot="0" spcFirstLastPara="0" vert="horz" wrap="square" lIns="91440" tIns="45720" rIns="91440" bIns="45720" numCol="1" spcCol="0" rtlCol="0" fromWordArt="0" anchor="ctr" anchorCtr="0" forceAA="0" compatLnSpc="1">
+            <a:prstTxWarp prst="textNoShape">
+              <a:avLst/>
+            </a:prstTxWarp>
+            <a:noAutofit/>
+          </a:bodyPr>
+          <a:lstStyle>
+            <a:defPPr>
+              <a:defRPr lang="en-US"/>
+            </a:defPPr>
+            <a:lvl1pPr marL="0" algn="l" defTabSz="3110332" rtl="0" eaLnBrk="1" latinLnBrk="0" hangingPunct="1">
+              <a:defRPr sz="6123" kern="1200">
+                <a:solidFill>
+                  <a:schemeClr val="lt1"/>
+                </a:solidFill>
+                <a:latin typeface="+mn-lt"/>
+                <a:ea typeface="+mn-ea"/>
+                <a:cs typeface="+mn-cs"/>
+              </a:defRPr>
+            </a:lvl1pPr>
+            <a:lvl2pPr marL="1555166" algn="l" defTabSz="3110332" rtl="0" eaLnBrk="1" latinLnBrk="0" hangingPunct="1">
+              <a:defRPr sz="6123" kern="1200">
+                <a:solidFill>
+                  <a:schemeClr val="lt1"/>
+                </a:solidFill>
+                <a:latin typeface="+mn-lt"/>
+                <a:ea typeface="+mn-ea"/>
+                <a:cs typeface="+mn-cs"/>
+              </a:defRPr>
+            </a:lvl2pPr>
+            <a:lvl3pPr marL="3110332" algn="l" defTabSz="3110332" rtl="0" eaLnBrk="1" latinLnBrk="0" hangingPunct="1">
+              <a:defRPr sz="6123" kern="1200">
+                <a:solidFill>
+                  <a:schemeClr val="lt1"/>
+                </a:solidFill>
+                <a:latin typeface="+mn-lt"/>
+                <a:ea typeface="+mn-ea"/>
+                <a:cs typeface="+mn-cs"/>
+              </a:defRPr>
+            </a:lvl3pPr>
+            <a:lvl4pPr marL="4665497" algn="l" defTabSz="3110332" rtl="0" eaLnBrk="1" latinLnBrk="0" hangingPunct="1">
+              <a:defRPr sz="6123" kern="1200">
+                <a:solidFill>
+                  <a:schemeClr val="lt1"/>
+                </a:solidFill>
+                <a:latin typeface="+mn-lt"/>
+                <a:ea typeface="+mn-ea"/>
+                <a:cs typeface="+mn-cs"/>
+              </a:defRPr>
+            </a:lvl4pPr>
+            <a:lvl5pPr marL="6220663" algn="l" defTabSz="3110332" rtl="0" eaLnBrk="1" latinLnBrk="0" hangingPunct="1">
+              <a:defRPr sz="6123" kern="1200">
+                <a:solidFill>
+                  <a:schemeClr val="lt1"/>
+                </a:solidFill>
+                <a:latin typeface="+mn-lt"/>
+                <a:ea typeface="+mn-ea"/>
+                <a:cs typeface="+mn-cs"/>
+              </a:defRPr>
+            </a:lvl5pPr>
+            <a:lvl6pPr marL="7775829" algn="l" defTabSz="3110332" rtl="0" eaLnBrk="1" latinLnBrk="0" hangingPunct="1">
+              <a:defRPr sz="6123" kern="1200">
+                <a:solidFill>
+                  <a:schemeClr val="lt1"/>
+                </a:solidFill>
+                <a:latin typeface="+mn-lt"/>
+                <a:ea typeface="+mn-ea"/>
+                <a:cs typeface="+mn-cs"/>
+              </a:defRPr>
+            </a:lvl6pPr>
+            <a:lvl7pPr marL="9330995" algn="l" defTabSz="3110332" rtl="0" eaLnBrk="1" latinLnBrk="0" hangingPunct="1">
+              <a:defRPr sz="6123" kern="1200">
+                <a:solidFill>
+                  <a:schemeClr val="lt1"/>
+                </a:solidFill>
+                <a:latin typeface="+mn-lt"/>
+                <a:ea typeface="+mn-ea"/>
+                <a:cs typeface="+mn-cs"/>
+              </a:defRPr>
+            </a:lvl7pPr>
+            <a:lvl8pPr marL="10886161" algn="l" defTabSz="3110332" rtl="0" eaLnBrk="1" latinLnBrk="0" hangingPunct="1">
+              <a:defRPr sz="6123" kern="1200">
+                <a:solidFill>
+                  <a:schemeClr val="lt1"/>
+                </a:solidFill>
+                <a:latin typeface="+mn-lt"/>
+                <a:ea typeface="+mn-ea"/>
+                <a:cs typeface="+mn-cs"/>
+              </a:defRPr>
+            </a:lvl8pPr>
+            <a:lvl9pPr marL="12441326" algn="l" defTabSz="3110332" rtl="0" eaLnBrk="1" latinLnBrk="0" hangingPunct="1">
+              <a:defRPr sz="6123" kern="1200">
+                <a:solidFill>
+                  <a:schemeClr val="lt1"/>
+                </a:solidFill>
+                <a:latin typeface="+mn-lt"/>
+                <a:ea typeface="+mn-ea"/>
+                <a:cs typeface="+mn-cs"/>
+              </a:defRPr>
+            </a:lvl9pPr>
+          </a:lstStyle>
+          <a:p>
+            <a:pPr algn="ctr"/>
+            <a:endParaRPr lang="en-US"/>
+          </a:p>
+        </p:txBody>
+      </p:sp>
+      <p:sp>
+        <p:nvSpPr>
+          <p:cNvPr id="34" name="Rectangle 33"/>
+          <p:cNvSpPr/>
+          <p:nvPr/>
+        </p:nvSpPr>
+        <p:spPr>
+          <a:xfrm>
+            <a:off x="14580484" y="5024154"/>
+            <a:ext cx="987137" cy="14141035"/>
+          </a:xfrm>
+          <a:prstGeom prst="rect">
+            <a:avLst/>
+          </a:prstGeom>
+          <a:solidFill>
+            <a:schemeClr val="bg1"/>
+          </a:solidFill>
+          <a:ln>
+            <a:solidFill>
+              <a:schemeClr val="bg1"/>
+            </a:solidFill>
+          </a:ln>
+        </p:spPr>
+        <p:style>
+          <a:lnRef idx="2">
+            <a:schemeClr val="accent1">
+              <a:shade val="50000"/>
+            </a:schemeClr>
+          </a:lnRef>
+          <a:fillRef idx="1">
+            <a:schemeClr val="accent1"/>
+          </a:fillRef>
+          <a:effectRef idx="0">
+            <a:schemeClr val="accent1"/>
+          </a:effectRef>
+          <a:fontRef idx="minor">
+            <a:schemeClr val="lt1"/>
+          </a:fontRef>
+        </p:style>
+        <p:txBody>
+          <a:bodyPr rot="0" spcFirstLastPara="0" vert="horz" wrap="square" lIns="91440" tIns="45720" rIns="91440" bIns="45720" numCol="1" spcCol="0" rtlCol="0" fromWordArt="0" anchor="ctr" anchorCtr="0" forceAA="0" compatLnSpc="1">
+            <a:prstTxWarp prst="textNoShape">
+              <a:avLst/>
+            </a:prstTxWarp>
+            <a:noAutofit/>
+          </a:bodyPr>
+          <a:lstStyle>
+            <a:defPPr>
+              <a:defRPr lang="en-US"/>
+            </a:defPPr>
+            <a:lvl1pPr marL="0" algn="l" defTabSz="3110332" rtl="0" eaLnBrk="1" latinLnBrk="0" hangingPunct="1">
+              <a:defRPr sz="6123" kern="1200">
+                <a:solidFill>
+                  <a:schemeClr val="lt1"/>
+                </a:solidFill>
+                <a:latin typeface="+mn-lt"/>
+                <a:ea typeface="+mn-ea"/>
+                <a:cs typeface="+mn-cs"/>
+              </a:defRPr>
+            </a:lvl1pPr>
+            <a:lvl2pPr marL="1555166" algn="l" defTabSz="3110332" rtl="0" eaLnBrk="1" latinLnBrk="0" hangingPunct="1">
+              <a:defRPr sz="6123" kern="1200">
+                <a:solidFill>
+                  <a:schemeClr val="lt1"/>
+                </a:solidFill>
+                <a:latin typeface="+mn-lt"/>
+                <a:ea typeface="+mn-ea"/>
+                <a:cs typeface="+mn-cs"/>
+              </a:defRPr>
+            </a:lvl2pPr>
+            <a:lvl3pPr marL="3110332" algn="l" defTabSz="3110332" rtl="0" eaLnBrk="1" latinLnBrk="0" hangingPunct="1">
+              <a:defRPr sz="6123" kern="1200">
+                <a:solidFill>
+                  <a:schemeClr val="lt1"/>
+                </a:solidFill>
+                <a:latin typeface="+mn-lt"/>
+                <a:ea typeface="+mn-ea"/>
+                <a:cs typeface="+mn-cs"/>
+              </a:defRPr>
+            </a:lvl3pPr>
+            <a:lvl4pPr marL="4665497" algn="l" defTabSz="3110332" rtl="0" eaLnBrk="1" latinLnBrk="0" hangingPunct="1">
+              <a:defRPr sz="6123" kern="1200">
+                <a:solidFill>
+                  <a:schemeClr val="lt1"/>
+                </a:solidFill>
+                <a:latin typeface="+mn-lt"/>
+                <a:ea typeface="+mn-ea"/>
+                <a:cs typeface="+mn-cs"/>
+              </a:defRPr>
+            </a:lvl4pPr>
+            <a:lvl5pPr marL="6220663" algn="l" defTabSz="3110332" rtl="0" eaLnBrk="1" latinLnBrk="0" hangingPunct="1">
+              <a:defRPr sz="6123" kern="1200">
+                <a:solidFill>
+                  <a:schemeClr val="lt1"/>
+                </a:solidFill>
+                <a:latin typeface="+mn-lt"/>
+                <a:ea typeface="+mn-ea"/>
+                <a:cs typeface="+mn-cs"/>
+              </a:defRPr>
+            </a:lvl5pPr>
+            <a:lvl6pPr marL="7775829" algn="l" defTabSz="3110332" rtl="0" eaLnBrk="1" latinLnBrk="0" hangingPunct="1">
+              <a:defRPr sz="6123" kern="1200">
+                <a:solidFill>
+                  <a:schemeClr val="lt1"/>
+                </a:solidFill>
+                <a:latin typeface="+mn-lt"/>
+                <a:ea typeface="+mn-ea"/>
+                <a:cs typeface="+mn-cs"/>
+              </a:defRPr>
+            </a:lvl6pPr>
+            <a:lvl7pPr marL="9330995" algn="l" defTabSz="3110332" rtl="0" eaLnBrk="1" latinLnBrk="0" hangingPunct="1">
+              <a:defRPr sz="6123" kern="1200">
+                <a:solidFill>
+                  <a:schemeClr val="lt1"/>
+                </a:solidFill>
+                <a:latin typeface="+mn-lt"/>
+                <a:ea typeface="+mn-ea"/>
+                <a:cs typeface="+mn-cs"/>
+              </a:defRPr>
+            </a:lvl7pPr>
+            <a:lvl8pPr marL="10886161" algn="l" defTabSz="3110332" rtl="0" eaLnBrk="1" latinLnBrk="0" hangingPunct="1">
+              <a:defRPr sz="6123" kern="1200">
+                <a:solidFill>
+                  <a:schemeClr val="lt1"/>
+                </a:solidFill>
+                <a:latin typeface="+mn-lt"/>
+                <a:ea typeface="+mn-ea"/>
+                <a:cs typeface="+mn-cs"/>
+              </a:defRPr>
+            </a:lvl8pPr>
+            <a:lvl9pPr marL="12441326" algn="l" defTabSz="3110332" rtl="0" eaLnBrk="1" latinLnBrk="0" hangingPunct="1">
+              <a:defRPr sz="6123" kern="1200">
+                <a:solidFill>
+                  <a:schemeClr val="lt1"/>
+                </a:solidFill>
+                <a:latin typeface="+mn-lt"/>
+                <a:ea typeface="+mn-ea"/>
+                <a:cs typeface="+mn-cs"/>
+              </a:defRPr>
+            </a:lvl9pPr>
+          </a:lstStyle>
+          <a:p>
+            <a:pPr algn="ctr"/>
+            <a:endParaRPr lang="en-US"/>
+          </a:p>
+        </p:txBody>
+      </p:sp>
+      <p:sp>
+        <p:nvSpPr>
+          <p:cNvPr id="35" name="Rectangle 34"/>
+          <p:cNvSpPr/>
+          <p:nvPr/>
+        </p:nvSpPr>
+        <p:spPr>
+          <a:xfrm>
+            <a:off x="21354742" y="221300"/>
+            <a:ext cx="1055397" cy="18968784"/>
+          </a:xfrm>
+          <a:prstGeom prst="rect">
+            <a:avLst/>
+          </a:prstGeom>
+          <a:solidFill>
+            <a:schemeClr val="bg1"/>
+          </a:solidFill>
+          <a:ln>
+            <a:solidFill>
+              <a:schemeClr val="bg1"/>
+            </a:solidFill>
+          </a:ln>
+        </p:spPr>
+        <p:style>
+          <a:lnRef idx="2">
+            <a:schemeClr val="accent1">
+              <a:shade val="50000"/>
+            </a:schemeClr>
+          </a:lnRef>
+          <a:fillRef idx="1">
+            <a:schemeClr val="accent1"/>
+          </a:fillRef>
+          <a:effectRef idx="0">
+            <a:schemeClr val="accent1"/>
+          </a:effectRef>
+          <a:fontRef idx="minor">
+            <a:schemeClr val="lt1"/>
+          </a:fontRef>
+        </p:style>
+        <p:txBody>
+          <a:bodyPr rot="0" spcFirstLastPara="0" vert="horz" wrap="square" lIns="91440" tIns="45720" rIns="91440" bIns="45720" numCol="1" spcCol="0" rtlCol="0" fromWordArt="0" anchor="ctr" anchorCtr="0" forceAA="0" compatLnSpc="1">
+            <a:prstTxWarp prst="textNoShape">
+              <a:avLst/>
+            </a:prstTxWarp>
+            <a:noAutofit/>
+          </a:bodyPr>
+          <a:lstStyle>
+            <a:defPPr>
+              <a:defRPr lang="en-US"/>
+            </a:defPPr>
+            <a:lvl1pPr marL="0" algn="l" defTabSz="3110332" rtl="0" eaLnBrk="1" latinLnBrk="0" hangingPunct="1">
+              <a:defRPr sz="6123" kern="1200">
+                <a:solidFill>
+                  <a:schemeClr val="lt1"/>
+                </a:solidFill>
+                <a:latin typeface="+mn-lt"/>
+                <a:ea typeface="+mn-ea"/>
+                <a:cs typeface="+mn-cs"/>
+              </a:defRPr>
+            </a:lvl1pPr>
+            <a:lvl2pPr marL="1555166" algn="l" defTabSz="3110332" rtl="0" eaLnBrk="1" latinLnBrk="0" hangingPunct="1">
+              <a:defRPr sz="6123" kern="1200">
+                <a:solidFill>
+                  <a:schemeClr val="lt1"/>
+                </a:solidFill>
+                <a:latin typeface="+mn-lt"/>
+                <a:ea typeface="+mn-ea"/>
+                <a:cs typeface="+mn-cs"/>
+              </a:defRPr>
+            </a:lvl2pPr>
+            <a:lvl3pPr marL="3110332" algn="l" defTabSz="3110332" rtl="0" eaLnBrk="1" latinLnBrk="0" hangingPunct="1">
+              <a:defRPr sz="6123" kern="1200">
+                <a:solidFill>
+                  <a:schemeClr val="lt1"/>
+                </a:solidFill>
+                <a:latin typeface="+mn-lt"/>
+                <a:ea typeface="+mn-ea"/>
+                <a:cs typeface="+mn-cs"/>
+              </a:defRPr>
+            </a:lvl3pPr>
+            <a:lvl4pPr marL="4665497" algn="l" defTabSz="3110332" rtl="0" eaLnBrk="1" latinLnBrk="0" hangingPunct="1">
+              <a:defRPr sz="6123" kern="1200">
+                <a:solidFill>
+                  <a:schemeClr val="lt1"/>
+                </a:solidFill>
+                <a:latin typeface="+mn-lt"/>
+                <a:ea typeface="+mn-ea"/>
+                <a:cs typeface="+mn-cs"/>
+              </a:defRPr>
+            </a:lvl4pPr>
+            <a:lvl5pPr marL="6220663" algn="l" defTabSz="3110332" rtl="0" eaLnBrk="1" latinLnBrk="0" hangingPunct="1">
+              <a:defRPr sz="6123" kern="1200">
+                <a:solidFill>
+                  <a:schemeClr val="lt1"/>
+                </a:solidFill>
+                <a:latin typeface="+mn-lt"/>
+                <a:ea typeface="+mn-ea"/>
+                <a:cs typeface="+mn-cs"/>
+              </a:defRPr>
+            </a:lvl5pPr>
+            <a:lvl6pPr marL="7775829" algn="l" defTabSz="3110332" rtl="0" eaLnBrk="1" latinLnBrk="0" hangingPunct="1">
+              <a:defRPr sz="6123" kern="1200">
+                <a:solidFill>
+                  <a:schemeClr val="lt1"/>
+                </a:solidFill>
+                <a:latin typeface="+mn-lt"/>
+                <a:ea typeface="+mn-ea"/>
+                <a:cs typeface="+mn-cs"/>
+              </a:defRPr>
+            </a:lvl6pPr>
+            <a:lvl7pPr marL="9330995" algn="l" defTabSz="3110332" rtl="0" eaLnBrk="1" latinLnBrk="0" hangingPunct="1">
+              <a:defRPr sz="6123" kern="1200">
+                <a:solidFill>
+                  <a:schemeClr val="lt1"/>
+                </a:solidFill>
+                <a:latin typeface="+mn-lt"/>
+                <a:ea typeface="+mn-ea"/>
+                <a:cs typeface="+mn-cs"/>
+              </a:defRPr>
+            </a:lvl7pPr>
+            <a:lvl8pPr marL="10886161" algn="l" defTabSz="3110332" rtl="0" eaLnBrk="1" latinLnBrk="0" hangingPunct="1">
+              <a:defRPr sz="6123" kern="1200">
+                <a:solidFill>
+                  <a:schemeClr val="lt1"/>
+                </a:solidFill>
+                <a:latin typeface="+mn-lt"/>
+                <a:ea typeface="+mn-ea"/>
+                <a:cs typeface="+mn-cs"/>
+              </a:defRPr>
+            </a:lvl8pPr>
+            <a:lvl9pPr marL="12441326" algn="l" defTabSz="3110332" rtl="0" eaLnBrk="1" latinLnBrk="0" hangingPunct="1">
+              <a:defRPr sz="6123" kern="1200">
+                <a:solidFill>
+                  <a:schemeClr val="lt1"/>
+                </a:solidFill>
+                <a:latin typeface="+mn-lt"/>
+                <a:ea typeface="+mn-ea"/>
+                <a:cs typeface="+mn-cs"/>
+              </a:defRPr>
+            </a:lvl9pPr>
+          </a:lstStyle>
+          <a:p>
+            <a:pPr algn="ctr"/>
+            <a:endParaRPr lang="en-US"/>
+          </a:p>
+        </p:txBody>
+      </p:sp>
+      <p:sp>
+        <p:nvSpPr>
+          <p:cNvPr id="36" name="Rectangle 35"/>
+          <p:cNvSpPr/>
+          <p:nvPr/>
+        </p:nvSpPr>
+        <p:spPr>
+          <a:xfrm>
+            <a:off x="811258" y="18800463"/>
+            <a:ext cx="27312162" cy="621687"/>
+          </a:xfrm>
+          <a:prstGeom prst="rect">
+            <a:avLst/>
+          </a:prstGeom>
+          <a:solidFill>
+            <a:schemeClr val="bg1"/>
+          </a:solidFill>
+          <a:ln>
+            <a:solidFill>
+              <a:schemeClr val="bg1"/>
+            </a:solidFill>
+          </a:ln>
+        </p:spPr>
+        <p:style>
+          <a:lnRef idx="2">
+            <a:schemeClr val="accent1">
+              <a:shade val="50000"/>
+            </a:schemeClr>
+          </a:lnRef>
+          <a:fillRef idx="1">
+            <a:schemeClr val="accent1"/>
+          </a:fillRef>
+          <a:effectRef idx="0">
+            <a:schemeClr val="accent1"/>
+          </a:effectRef>
+          <a:fontRef idx="minor">
+            <a:schemeClr val="lt1"/>
+          </a:fontRef>
+        </p:style>
+        <p:txBody>
+          <a:bodyPr rot="0" spcFirstLastPara="0" vert="horz" wrap="square" lIns="91440" tIns="45720" rIns="91440" bIns="45720" numCol="1" spcCol="0" rtlCol="0" fromWordArt="0" anchor="ctr" anchorCtr="0" forceAA="0" compatLnSpc="1">
+            <a:prstTxWarp prst="textNoShape">
+              <a:avLst/>
+            </a:prstTxWarp>
+            <a:noAutofit/>
+          </a:bodyPr>
+          <a:lstStyle>
+            <a:defPPr>
+              <a:defRPr lang="en-US"/>
+            </a:defPPr>
+            <a:lvl1pPr marL="0" algn="l" defTabSz="3110332" rtl="0" eaLnBrk="1" latinLnBrk="0" hangingPunct="1">
+              <a:defRPr sz="6123" kern="1200">
+                <a:solidFill>
+                  <a:schemeClr val="lt1"/>
+                </a:solidFill>
+                <a:latin typeface="+mn-lt"/>
+                <a:ea typeface="+mn-ea"/>
+                <a:cs typeface="+mn-cs"/>
+              </a:defRPr>
+            </a:lvl1pPr>
+            <a:lvl2pPr marL="1555166" algn="l" defTabSz="3110332" rtl="0" eaLnBrk="1" latinLnBrk="0" hangingPunct="1">
+              <a:defRPr sz="6123" kern="1200">
+                <a:solidFill>
+                  <a:schemeClr val="lt1"/>
+                </a:solidFill>
+                <a:latin typeface="+mn-lt"/>
+                <a:ea typeface="+mn-ea"/>
+                <a:cs typeface="+mn-cs"/>
+              </a:defRPr>
+            </a:lvl2pPr>
+            <a:lvl3pPr marL="3110332" algn="l" defTabSz="3110332" rtl="0" eaLnBrk="1" latinLnBrk="0" hangingPunct="1">
+              <a:defRPr sz="6123" kern="1200">
+                <a:solidFill>
+                  <a:schemeClr val="lt1"/>
+                </a:solidFill>
+                <a:latin typeface="+mn-lt"/>
+                <a:ea typeface="+mn-ea"/>
+                <a:cs typeface="+mn-cs"/>
+              </a:defRPr>
+            </a:lvl3pPr>
+            <a:lvl4pPr marL="4665497" algn="l" defTabSz="3110332" rtl="0" eaLnBrk="1" latinLnBrk="0" hangingPunct="1">
+              <a:defRPr sz="6123" kern="1200">
+                <a:solidFill>
+                  <a:schemeClr val="lt1"/>
+                </a:solidFill>
+                <a:latin typeface="+mn-lt"/>
+                <a:ea typeface="+mn-ea"/>
+                <a:cs typeface="+mn-cs"/>
+              </a:defRPr>
+            </a:lvl4pPr>
+            <a:lvl5pPr marL="6220663" algn="l" defTabSz="3110332" rtl="0" eaLnBrk="1" latinLnBrk="0" hangingPunct="1">
+              <a:defRPr sz="6123" kern="1200">
+                <a:solidFill>
+                  <a:schemeClr val="lt1"/>
+                </a:solidFill>
+                <a:latin typeface="+mn-lt"/>
+                <a:ea typeface="+mn-ea"/>
+                <a:cs typeface="+mn-cs"/>
+              </a:defRPr>
+            </a:lvl5pPr>
+            <a:lvl6pPr marL="7775829" algn="l" defTabSz="3110332" rtl="0" eaLnBrk="1" latinLnBrk="0" hangingPunct="1">
+              <a:defRPr sz="6123" kern="1200">
+                <a:solidFill>
+                  <a:schemeClr val="lt1"/>
+                </a:solidFill>
+                <a:latin typeface="+mn-lt"/>
+                <a:ea typeface="+mn-ea"/>
+                <a:cs typeface="+mn-cs"/>
+              </a:defRPr>
+            </a:lvl6pPr>
+            <a:lvl7pPr marL="9330995" algn="l" defTabSz="3110332" rtl="0" eaLnBrk="1" latinLnBrk="0" hangingPunct="1">
+              <a:defRPr sz="6123" kern="1200">
+                <a:solidFill>
+                  <a:schemeClr val="lt1"/>
+                </a:solidFill>
+                <a:latin typeface="+mn-lt"/>
+                <a:ea typeface="+mn-ea"/>
+                <a:cs typeface="+mn-cs"/>
+              </a:defRPr>
+            </a:lvl7pPr>
+            <a:lvl8pPr marL="10886161" algn="l" defTabSz="3110332" rtl="0" eaLnBrk="1" latinLnBrk="0" hangingPunct="1">
+              <a:defRPr sz="6123" kern="1200">
+                <a:solidFill>
+                  <a:schemeClr val="lt1"/>
+                </a:solidFill>
+                <a:latin typeface="+mn-lt"/>
+                <a:ea typeface="+mn-ea"/>
+                <a:cs typeface="+mn-cs"/>
+              </a:defRPr>
+            </a:lvl8pPr>
+            <a:lvl9pPr marL="12441326" algn="l" defTabSz="3110332" rtl="0" eaLnBrk="1" latinLnBrk="0" hangingPunct="1">
+              <a:defRPr sz="6123" kern="1200">
+                <a:solidFill>
+                  <a:schemeClr val="lt1"/>
+                </a:solidFill>
+                <a:latin typeface="+mn-lt"/>
+                <a:ea typeface="+mn-ea"/>
+                <a:cs typeface="+mn-cs"/>
+              </a:defRPr>
+            </a:lvl9pPr>
+          </a:lstStyle>
+          <a:p>
+            <a:pPr algn="ctr"/>
+            <a:endParaRPr lang="en-US"/>
+          </a:p>
+        </p:txBody>
+      </p:sp>
+      <p:sp>
+        <p:nvSpPr>
+          <p:cNvPr id="37" name="Rectangle 36"/>
+          <p:cNvSpPr/>
+          <p:nvPr/>
+        </p:nvSpPr>
+        <p:spPr>
+          <a:xfrm>
+            <a:off x="829406" y="14138729"/>
+            <a:ext cx="27312162" cy="381930"/>
+          </a:xfrm>
+          <a:prstGeom prst="rect">
+            <a:avLst/>
+          </a:prstGeom>
+          <a:solidFill>
+            <a:schemeClr val="bg1"/>
+          </a:solidFill>
+          <a:ln>
+            <a:solidFill>
+              <a:schemeClr val="bg1"/>
+            </a:solidFill>
+          </a:ln>
+        </p:spPr>
+        <p:style>
+          <a:lnRef idx="2">
+            <a:schemeClr val="accent1">
+              <a:shade val="50000"/>
+            </a:schemeClr>
+          </a:lnRef>
+          <a:fillRef idx="1">
+            <a:schemeClr val="accent1"/>
+          </a:fillRef>
+          <a:effectRef idx="0">
+            <a:schemeClr val="accent1"/>
+          </a:effectRef>
+          <a:fontRef idx="minor">
+            <a:schemeClr val="lt1"/>
+          </a:fontRef>
+        </p:style>
+        <p:txBody>
+          <a:bodyPr rot="0" spcFirstLastPara="0" vert="horz" wrap="square" lIns="91440" tIns="45720" rIns="91440" bIns="45720" numCol="1" spcCol="0" rtlCol="0" fromWordArt="0" anchor="ctr" anchorCtr="0" forceAA="0" compatLnSpc="1">
+            <a:prstTxWarp prst="textNoShape">
+              <a:avLst/>
+            </a:prstTxWarp>
+            <a:noAutofit/>
+          </a:bodyPr>
+          <a:lstStyle>
+            <a:defPPr>
+              <a:defRPr lang="en-US"/>
+            </a:defPPr>
+            <a:lvl1pPr marL="0" algn="l" defTabSz="3110332" rtl="0" eaLnBrk="1" latinLnBrk="0" hangingPunct="1">
+              <a:defRPr sz="6123" kern="1200">
+                <a:solidFill>
+                  <a:schemeClr val="lt1"/>
+                </a:solidFill>
+                <a:latin typeface="+mn-lt"/>
+                <a:ea typeface="+mn-ea"/>
+                <a:cs typeface="+mn-cs"/>
+              </a:defRPr>
+            </a:lvl1pPr>
+            <a:lvl2pPr marL="1555166" algn="l" defTabSz="3110332" rtl="0" eaLnBrk="1" latinLnBrk="0" hangingPunct="1">
+              <a:defRPr sz="6123" kern="1200">
+                <a:solidFill>
+                  <a:schemeClr val="lt1"/>
+                </a:solidFill>
+                <a:latin typeface="+mn-lt"/>
+                <a:ea typeface="+mn-ea"/>
+                <a:cs typeface="+mn-cs"/>
+              </a:defRPr>
+            </a:lvl2pPr>
+            <a:lvl3pPr marL="3110332" algn="l" defTabSz="3110332" rtl="0" eaLnBrk="1" latinLnBrk="0" hangingPunct="1">
+              <a:defRPr sz="6123" kern="1200">
+                <a:solidFill>
+                  <a:schemeClr val="lt1"/>
+                </a:solidFill>
+                <a:latin typeface="+mn-lt"/>
+                <a:ea typeface="+mn-ea"/>
+                <a:cs typeface="+mn-cs"/>
+              </a:defRPr>
+            </a:lvl3pPr>
+            <a:lvl4pPr marL="4665497" algn="l" defTabSz="3110332" rtl="0" eaLnBrk="1" latinLnBrk="0" hangingPunct="1">
+              <a:defRPr sz="6123" kern="1200">
+                <a:solidFill>
+                  <a:schemeClr val="lt1"/>
+                </a:solidFill>
+                <a:latin typeface="+mn-lt"/>
+                <a:ea typeface="+mn-ea"/>
+                <a:cs typeface="+mn-cs"/>
+              </a:defRPr>
+            </a:lvl4pPr>
+            <a:lvl5pPr marL="6220663" algn="l" defTabSz="3110332" rtl="0" eaLnBrk="1" latinLnBrk="0" hangingPunct="1">
+              <a:defRPr sz="6123" kern="1200">
+                <a:solidFill>
+                  <a:schemeClr val="lt1"/>
+                </a:solidFill>
+                <a:latin typeface="+mn-lt"/>
+                <a:ea typeface="+mn-ea"/>
+                <a:cs typeface="+mn-cs"/>
+              </a:defRPr>
+            </a:lvl5pPr>
+            <a:lvl6pPr marL="7775829" algn="l" defTabSz="3110332" rtl="0" eaLnBrk="1" latinLnBrk="0" hangingPunct="1">
+              <a:defRPr sz="6123" kern="1200">
+                <a:solidFill>
+                  <a:schemeClr val="lt1"/>
+                </a:solidFill>
+                <a:latin typeface="+mn-lt"/>
+                <a:ea typeface="+mn-ea"/>
+                <a:cs typeface="+mn-cs"/>
+              </a:defRPr>
+            </a:lvl6pPr>
+            <a:lvl7pPr marL="9330995" algn="l" defTabSz="3110332" rtl="0" eaLnBrk="1" latinLnBrk="0" hangingPunct="1">
+              <a:defRPr sz="6123" kern="1200">
+                <a:solidFill>
+                  <a:schemeClr val="lt1"/>
+                </a:solidFill>
+                <a:latin typeface="+mn-lt"/>
+                <a:ea typeface="+mn-ea"/>
+                <a:cs typeface="+mn-cs"/>
+              </a:defRPr>
+            </a:lvl7pPr>
+            <a:lvl8pPr marL="10886161" algn="l" defTabSz="3110332" rtl="0" eaLnBrk="1" latinLnBrk="0" hangingPunct="1">
+              <a:defRPr sz="6123" kern="1200">
+                <a:solidFill>
+                  <a:schemeClr val="lt1"/>
+                </a:solidFill>
+                <a:latin typeface="+mn-lt"/>
+                <a:ea typeface="+mn-ea"/>
+                <a:cs typeface="+mn-cs"/>
+              </a:defRPr>
+            </a:lvl8pPr>
+            <a:lvl9pPr marL="12441326" algn="l" defTabSz="3110332" rtl="0" eaLnBrk="1" latinLnBrk="0" hangingPunct="1">
+              <a:defRPr sz="6123" kern="1200">
+                <a:solidFill>
+                  <a:schemeClr val="lt1"/>
+                </a:solidFill>
+                <a:latin typeface="+mn-lt"/>
+                <a:ea typeface="+mn-ea"/>
+                <a:cs typeface="+mn-cs"/>
+              </a:defRPr>
+            </a:lvl9pPr>
+          </a:lstStyle>
+          <a:p>
+            <a:pPr algn="ctr"/>
+            <a:endParaRPr lang="en-US"/>
+          </a:p>
+        </p:txBody>
+      </p:sp>
+      <p:sp>
+        <p:nvSpPr>
+          <p:cNvPr id="38" name="Rectangle 37"/>
+          <p:cNvSpPr/>
+          <p:nvPr/>
+        </p:nvSpPr>
+        <p:spPr>
+          <a:xfrm>
+            <a:off x="8287500" y="9261952"/>
+            <a:ext cx="19835920" cy="381930"/>
+          </a:xfrm>
+          <a:prstGeom prst="rect">
+            <a:avLst/>
+          </a:prstGeom>
+          <a:solidFill>
+            <a:schemeClr val="bg1"/>
+          </a:solidFill>
+          <a:ln>
+            <a:solidFill>
+              <a:schemeClr val="bg1"/>
+            </a:solidFill>
+          </a:ln>
+        </p:spPr>
+        <p:style>
+          <a:lnRef idx="2">
+            <a:schemeClr val="accent1">
+              <a:shade val="50000"/>
+            </a:schemeClr>
+          </a:lnRef>
+          <a:fillRef idx="1">
+            <a:schemeClr val="accent1"/>
+          </a:fillRef>
+          <a:effectRef idx="0">
+            <a:schemeClr val="accent1"/>
+          </a:effectRef>
+          <a:fontRef idx="minor">
+            <a:schemeClr val="lt1"/>
+          </a:fontRef>
+        </p:style>
+        <p:txBody>
+          <a:bodyPr rot="0" spcFirstLastPara="0" vert="horz" wrap="square" lIns="91440" tIns="45720" rIns="91440" bIns="45720" numCol="1" spcCol="0" rtlCol="0" fromWordArt="0" anchor="ctr" anchorCtr="0" forceAA="0" compatLnSpc="1">
+            <a:prstTxWarp prst="textNoShape">
+              <a:avLst/>
+            </a:prstTxWarp>
+            <a:noAutofit/>
+          </a:bodyPr>
+          <a:lstStyle>
+            <a:defPPr>
+              <a:defRPr lang="en-US"/>
+            </a:defPPr>
+            <a:lvl1pPr marL="0" algn="l" defTabSz="3110332" rtl="0" eaLnBrk="1" latinLnBrk="0" hangingPunct="1">
+              <a:defRPr sz="6123" kern="1200">
+                <a:solidFill>
+                  <a:schemeClr val="lt1"/>
+                </a:solidFill>
+                <a:latin typeface="+mn-lt"/>
+                <a:ea typeface="+mn-ea"/>
+                <a:cs typeface="+mn-cs"/>
+              </a:defRPr>
+            </a:lvl1pPr>
+            <a:lvl2pPr marL="1555166" algn="l" defTabSz="3110332" rtl="0" eaLnBrk="1" latinLnBrk="0" hangingPunct="1">
+              <a:defRPr sz="6123" kern="1200">
+                <a:solidFill>
+                  <a:schemeClr val="lt1"/>
+                </a:solidFill>
+                <a:latin typeface="+mn-lt"/>
+                <a:ea typeface="+mn-ea"/>
+                <a:cs typeface="+mn-cs"/>
+              </a:defRPr>
+            </a:lvl2pPr>
+            <a:lvl3pPr marL="3110332" algn="l" defTabSz="3110332" rtl="0" eaLnBrk="1" latinLnBrk="0" hangingPunct="1">
+              <a:defRPr sz="6123" kern="1200">
+                <a:solidFill>
+                  <a:schemeClr val="lt1"/>
+                </a:solidFill>
+                <a:latin typeface="+mn-lt"/>
+                <a:ea typeface="+mn-ea"/>
+                <a:cs typeface="+mn-cs"/>
+              </a:defRPr>
+            </a:lvl3pPr>
+            <a:lvl4pPr marL="4665497" algn="l" defTabSz="3110332" rtl="0" eaLnBrk="1" latinLnBrk="0" hangingPunct="1">
+              <a:defRPr sz="6123" kern="1200">
+                <a:solidFill>
+                  <a:schemeClr val="lt1"/>
+                </a:solidFill>
+                <a:latin typeface="+mn-lt"/>
+                <a:ea typeface="+mn-ea"/>
+                <a:cs typeface="+mn-cs"/>
+              </a:defRPr>
+            </a:lvl4pPr>
+            <a:lvl5pPr marL="6220663" algn="l" defTabSz="3110332" rtl="0" eaLnBrk="1" latinLnBrk="0" hangingPunct="1">
+              <a:defRPr sz="6123" kern="1200">
+                <a:solidFill>
+                  <a:schemeClr val="lt1"/>
+                </a:solidFill>
+                <a:latin typeface="+mn-lt"/>
+                <a:ea typeface="+mn-ea"/>
+                <a:cs typeface="+mn-cs"/>
+              </a:defRPr>
+            </a:lvl5pPr>
+            <a:lvl6pPr marL="7775829" algn="l" defTabSz="3110332" rtl="0" eaLnBrk="1" latinLnBrk="0" hangingPunct="1">
+              <a:defRPr sz="6123" kern="1200">
+                <a:solidFill>
+                  <a:schemeClr val="lt1"/>
+                </a:solidFill>
+                <a:latin typeface="+mn-lt"/>
+                <a:ea typeface="+mn-ea"/>
+                <a:cs typeface="+mn-cs"/>
+              </a:defRPr>
+            </a:lvl6pPr>
+            <a:lvl7pPr marL="9330995" algn="l" defTabSz="3110332" rtl="0" eaLnBrk="1" latinLnBrk="0" hangingPunct="1">
+              <a:defRPr sz="6123" kern="1200">
+                <a:solidFill>
+                  <a:schemeClr val="lt1"/>
+                </a:solidFill>
+                <a:latin typeface="+mn-lt"/>
+                <a:ea typeface="+mn-ea"/>
+                <a:cs typeface="+mn-cs"/>
+              </a:defRPr>
+            </a:lvl7pPr>
+            <a:lvl8pPr marL="10886161" algn="l" defTabSz="3110332" rtl="0" eaLnBrk="1" latinLnBrk="0" hangingPunct="1">
+              <a:defRPr sz="6123" kern="1200">
+                <a:solidFill>
+                  <a:schemeClr val="lt1"/>
+                </a:solidFill>
+                <a:latin typeface="+mn-lt"/>
+                <a:ea typeface="+mn-ea"/>
+                <a:cs typeface="+mn-cs"/>
+              </a:defRPr>
+            </a:lvl8pPr>
+            <a:lvl9pPr marL="12441326" algn="l" defTabSz="3110332" rtl="0" eaLnBrk="1" latinLnBrk="0" hangingPunct="1">
+              <a:defRPr sz="6123" kern="1200">
+                <a:solidFill>
+                  <a:schemeClr val="lt1"/>
+                </a:solidFill>
+                <a:latin typeface="+mn-lt"/>
+                <a:ea typeface="+mn-ea"/>
+                <a:cs typeface="+mn-cs"/>
+              </a:defRPr>
+            </a:lvl9pPr>
+          </a:lstStyle>
+          <a:p>
+            <a:pPr algn="ctr"/>
+            <a:endParaRPr lang="en-US"/>
+          </a:p>
+        </p:txBody>
+      </p:sp>
+      <p:sp>
+        <p:nvSpPr>
+          <p:cNvPr id="39" name="Rectangle 38"/>
+          <p:cNvSpPr/>
+          <p:nvPr/>
+        </p:nvSpPr>
+        <p:spPr>
+          <a:xfrm>
+            <a:off x="22026678" y="4329203"/>
+            <a:ext cx="6114890" cy="381930"/>
+          </a:xfrm>
+          <a:prstGeom prst="rect">
+            <a:avLst/>
+          </a:prstGeom>
+          <a:solidFill>
+            <a:schemeClr val="bg1"/>
+          </a:solidFill>
+          <a:ln>
+            <a:solidFill>
+              <a:schemeClr val="bg1"/>
+            </a:solidFill>
+          </a:ln>
+        </p:spPr>
+        <p:style>
+          <a:lnRef idx="2">
+            <a:schemeClr val="accent1">
+              <a:shade val="50000"/>
+            </a:schemeClr>
+          </a:lnRef>
+          <a:fillRef idx="1">
+            <a:schemeClr val="accent1"/>
+          </a:fillRef>
+          <a:effectRef idx="0">
+            <a:schemeClr val="accent1"/>
+          </a:effectRef>
+          <a:fontRef idx="minor">
+            <a:schemeClr val="lt1"/>
+          </a:fontRef>
+        </p:style>
+        <p:txBody>
+          <a:bodyPr rot="0" spcFirstLastPara="0" vert="horz" wrap="square" lIns="91440" tIns="45720" rIns="91440" bIns="45720" numCol="1" spcCol="0" rtlCol="0" fromWordArt="0" anchor="ctr" anchorCtr="0" forceAA="0" compatLnSpc="1">
+            <a:prstTxWarp prst="textNoShape">
+              <a:avLst/>
+            </a:prstTxWarp>
+            <a:noAutofit/>
+          </a:bodyPr>
+          <a:lstStyle>
+            <a:defPPr>
+              <a:defRPr lang="en-US"/>
+            </a:defPPr>
+            <a:lvl1pPr marL="0" algn="l" defTabSz="3110332" rtl="0" eaLnBrk="1" latinLnBrk="0" hangingPunct="1">
+              <a:defRPr sz="6123" kern="1200">
+                <a:solidFill>
+                  <a:schemeClr val="lt1"/>
+                </a:solidFill>
+                <a:latin typeface="+mn-lt"/>
+                <a:ea typeface="+mn-ea"/>
+                <a:cs typeface="+mn-cs"/>
+              </a:defRPr>
+            </a:lvl1pPr>
+            <a:lvl2pPr marL="1555166" algn="l" defTabSz="3110332" rtl="0" eaLnBrk="1" latinLnBrk="0" hangingPunct="1">
+              <a:defRPr sz="6123" kern="1200">
+                <a:solidFill>
+                  <a:schemeClr val="lt1"/>
+                </a:solidFill>
+                <a:latin typeface="+mn-lt"/>
+                <a:ea typeface="+mn-ea"/>
+                <a:cs typeface="+mn-cs"/>
+              </a:defRPr>
+            </a:lvl2pPr>
+            <a:lvl3pPr marL="3110332" algn="l" defTabSz="3110332" rtl="0" eaLnBrk="1" latinLnBrk="0" hangingPunct="1">
+              <a:defRPr sz="6123" kern="1200">
+                <a:solidFill>
+                  <a:schemeClr val="lt1"/>
+                </a:solidFill>
+                <a:latin typeface="+mn-lt"/>
+                <a:ea typeface="+mn-ea"/>
+                <a:cs typeface="+mn-cs"/>
+              </a:defRPr>
+            </a:lvl3pPr>
+            <a:lvl4pPr marL="4665497" algn="l" defTabSz="3110332" rtl="0" eaLnBrk="1" latinLnBrk="0" hangingPunct="1">
+              <a:defRPr sz="6123" kern="1200">
+                <a:solidFill>
+                  <a:schemeClr val="lt1"/>
+                </a:solidFill>
+                <a:latin typeface="+mn-lt"/>
+                <a:ea typeface="+mn-ea"/>
+                <a:cs typeface="+mn-cs"/>
+              </a:defRPr>
+            </a:lvl4pPr>
+            <a:lvl5pPr marL="6220663" algn="l" defTabSz="3110332" rtl="0" eaLnBrk="1" latinLnBrk="0" hangingPunct="1">
+              <a:defRPr sz="6123" kern="1200">
+                <a:solidFill>
+                  <a:schemeClr val="lt1"/>
+                </a:solidFill>
+                <a:latin typeface="+mn-lt"/>
+                <a:ea typeface="+mn-ea"/>
+                <a:cs typeface="+mn-cs"/>
+              </a:defRPr>
+            </a:lvl5pPr>
+            <a:lvl6pPr marL="7775829" algn="l" defTabSz="3110332" rtl="0" eaLnBrk="1" latinLnBrk="0" hangingPunct="1">
+              <a:defRPr sz="6123" kern="1200">
+                <a:solidFill>
+                  <a:schemeClr val="lt1"/>
+                </a:solidFill>
+                <a:latin typeface="+mn-lt"/>
+                <a:ea typeface="+mn-ea"/>
+                <a:cs typeface="+mn-cs"/>
+              </a:defRPr>
+            </a:lvl6pPr>
+            <a:lvl7pPr marL="9330995" algn="l" defTabSz="3110332" rtl="0" eaLnBrk="1" latinLnBrk="0" hangingPunct="1">
+              <a:defRPr sz="6123" kern="1200">
+                <a:solidFill>
+                  <a:schemeClr val="lt1"/>
+                </a:solidFill>
+                <a:latin typeface="+mn-lt"/>
+                <a:ea typeface="+mn-ea"/>
+                <a:cs typeface="+mn-cs"/>
+              </a:defRPr>
+            </a:lvl7pPr>
+            <a:lvl8pPr marL="10886161" algn="l" defTabSz="3110332" rtl="0" eaLnBrk="1" latinLnBrk="0" hangingPunct="1">
+              <a:defRPr sz="6123" kern="1200">
+                <a:solidFill>
+                  <a:schemeClr val="lt1"/>
+                </a:solidFill>
+                <a:latin typeface="+mn-lt"/>
+                <a:ea typeface="+mn-ea"/>
+                <a:cs typeface="+mn-cs"/>
+              </a:defRPr>
+            </a:lvl8pPr>
+            <a:lvl9pPr marL="12441326" algn="l" defTabSz="3110332" rtl="0" eaLnBrk="1" latinLnBrk="0" hangingPunct="1">
+              <a:defRPr sz="6123" kern="1200">
+                <a:solidFill>
+                  <a:schemeClr val="lt1"/>
+                </a:solidFill>
+                <a:latin typeface="+mn-lt"/>
+                <a:ea typeface="+mn-ea"/>
+                <a:cs typeface="+mn-cs"/>
+              </a:defRPr>
+            </a:lvl9pPr>
+          </a:lstStyle>
+          <a:p>
+            <a:pPr algn="ctr"/>
+            <a:endParaRPr lang="en-US"/>
+          </a:p>
+        </p:txBody>
+      </p:sp>
     </p:spTree>
     <p:extLst>
       <p:ext uri="{BB962C8B-B14F-4D97-AF65-F5344CB8AC3E}">
@@ -3953,7 +4985,7 @@
   <a:extraClrSchemeLst/>
   <a:extLst>
     <a:ext uri="{05A4C25C-085E-4340-85A3-A5531E510DB2}">
-      <thm15:themeFamily xmlns:thm15="http://schemas.microsoft.com/office/thememl/2012/main" name="Office Theme" id="{62F939B6-93AF-4DB8-9C6B-D6C7DFDC589F}" vid="{4A3C46E8-61CC-4603-A589-7422A47A8E4A}"/>
+      <thm15:themeFamily xmlns="" xmlns:thm15="http://schemas.microsoft.com/office/thememl/2012/main" name="Office Theme" id="{62F939B6-93AF-4DB8-9C6B-D6C7DFDC589F}" vid="{4A3C46E8-61CC-4603-A589-7422A47A8E4A}"/>
     </a:ext>
   </a:extLst>
 </a:theme>
